--- a/CPE Electives (1 - 3)/01. Lectures Notebook/000. Presentations & Text Books/01. Presentation Slides/32. Natural Langugage Processing (NLP).pptx
+++ b/CPE Electives (1 - 3)/01. Lectures Notebook/000. Presentations & Text Books/01. Presentation Slides/32. Natural Langugage Processing (NLP).pptx
@@ -283,7 +283,7 @@
           <a:p>
             <a:fld id="{3B6B94FD-5702-4F25-9A4D-07294FF3292C}" type="datetimeFigureOut">
               <a:rPr lang="en-PH" smtClean="0"/>
-              <a:t>11 Dec 2024</a:t>
+              <a:t>11 Dec 2025</a:t>
             </a:fld>
             <a:endParaRPr lang="en-PH"/>
           </a:p>
@@ -448,7 +448,7 @@
           <a:p>
             <a:fld id="{8365AC51-C568-4371-A28D-D14CF2BCF8BA}" type="datetimeFigureOut">
               <a:rPr lang="en-US" smtClean="0"/>
-              <a:t>12/11/2024</a:t>
+              <a:t>12/11/2025</a:t>
             </a:fld>
             <a:endParaRPr lang="en-US"/>
           </a:p>
@@ -10034,7 +10034,7 @@
           <a:p>
             <a:r>
               <a:rPr lang="en-US" sz="3600" dirty="0"/>
-              <a:t>“quick brown fox jumps over the lazy dog.”</a:t>
+              <a:t>“quick brown fox jumps over lazy dog.”</a:t>
             </a:r>
           </a:p>
         </p:txBody>
